--- a/BeaconEggsPoster.pptx
+++ b/BeaconEggsPoster.pptx
@@ -5,27 +5,31 @@
     <p:sldMasterId id="2147483651" r:id="rId1"/>
   </p:sldMasterIdLst>
   <p:notesMasterIdLst>
-    <p:notesMasterId r:id="rId3"/>
+    <p:notesMasterId r:id="rId7"/>
   </p:notesMasterIdLst>
   <p:sldIdLst>
     <p:sldId id="256" r:id="rId2"/>
+    <p:sldId id="257" r:id="rId3"/>
+    <p:sldId id="258" r:id="rId4"/>
+    <p:sldId id="259" r:id="rId5"/>
+    <p:sldId id="260" r:id="rId6"/>
   </p:sldIdLst>
   <p:sldSz cx="9601200" cy="12801600" type="A3"/>
   <p:notesSz cx="6858000" cy="9144000"/>
   <p:embeddedFontLst>
-    <p:embeddedFont>
-      <p:font typeface="Calibri" panose="020F0502020204030204" pitchFamily="34" charset="0"/>
-      <p:regular r:id="rId4"/>
-      <p:bold r:id="rId5"/>
-      <p:italic r:id="rId6"/>
-      <p:boldItalic r:id="rId7"/>
-    </p:embeddedFont>
     <p:embeddedFont>
       <p:font typeface="Arial Narrow" panose="020B0606020202030204" pitchFamily="34" charset="0"/>
       <p:regular r:id="rId8"/>
       <p:bold r:id="rId9"/>
       <p:italic r:id="rId10"/>
       <p:boldItalic r:id="rId11"/>
+    </p:embeddedFont>
+    <p:embeddedFont>
+      <p:font typeface="Calibri" panose="020F0502020204030204" pitchFamily="34" charset="0"/>
+      <p:regular r:id="rId12"/>
+      <p:bold r:id="rId13"/>
+      <p:italic r:id="rId14"/>
+      <p:boldItalic r:id="rId15"/>
     </p:embeddedFont>
   </p:embeddedFontLst>
   <p:defaultTextStyle>
@@ -5154,6 +5158,650 @@
         </p:spPr>
       </p:pic>
     </p:spTree>
+  </p:cSld>
+  <p:clrMapOvr>
+    <a:masterClrMapping/>
+  </p:clrMapOvr>
+</p:sld>
+</file>
+
+<file path=ppt/slides/slide2.xml><?xml version="1.0" encoding="utf-8"?>
+<p:sld xmlns:a="http://schemas.openxmlformats.org/drawingml/2006/main" xmlns:r="http://schemas.openxmlformats.org/officeDocument/2006/relationships" xmlns:p="http://schemas.openxmlformats.org/presentationml/2006/main">
+  <p:cSld>
+    <p:spTree>
+      <p:nvGrpSpPr>
+        <p:cNvPr id="1" name=""/>
+        <p:cNvGrpSpPr/>
+        <p:nvPr/>
+      </p:nvGrpSpPr>
+      <p:grpSpPr>
+        <a:xfrm>
+          <a:off x="0" y="0"/>
+          <a:ext cx="0" cy="0"/>
+          <a:chOff x="0" y="0"/>
+          <a:chExt cx="0" cy="0"/>
+        </a:xfrm>
+      </p:grpSpPr>
+      <p:sp>
+        <p:nvSpPr>
+          <p:cNvPr id="2" name="Text Placeholder 1">
+            <a:extLst>
+              <a:ext uri="{FF2B5EF4-FFF2-40B4-BE49-F238E27FC236}">
+                <a16:creationId xmlns:a16="http://schemas.microsoft.com/office/drawing/2014/main" id="{C6E6E0F2-7148-4B67-9D18-E05F67A72513}"/>
+              </a:ext>
+            </a:extLst>
+          </p:cNvPr>
+          <p:cNvSpPr>
+            <a:spLocks noGrp="1"/>
+          </p:cNvSpPr>
+          <p:nvPr>
+            <p:ph type="body" idx="1"/>
+          </p:nvPr>
+        </p:nvSpPr>
+        <p:spPr>
+          <a:xfrm>
+            <a:off x="450200" y="2757266"/>
+            <a:ext cx="8700800" cy="8527105"/>
+          </a:xfrm>
+        </p:spPr>
+        <p:txBody>
+          <a:bodyPr/>
+          <a:lstStyle/>
+          <a:p>
+            <a:endParaRPr lang="en-GB" dirty="0"/>
+          </a:p>
+          <a:p>
+            <a:endParaRPr lang="en-GB" dirty="0"/>
+          </a:p>
+        </p:txBody>
+      </p:sp>
+      <p:pic>
+        <p:nvPicPr>
+          <p:cNvPr id="4" name="Picture 3">
+            <a:extLst>
+              <a:ext uri="{FF2B5EF4-FFF2-40B4-BE49-F238E27FC236}">
+                <a16:creationId xmlns:a16="http://schemas.microsoft.com/office/drawing/2014/main" id="{C1AF076A-3870-4693-993B-4FDC83B7B7CF}"/>
+              </a:ext>
+            </a:extLst>
+          </p:cNvPr>
+          <p:cNvPicPr>
+            <a:picLocks noChangeAspect="1"/>
+          </p:cNvPicPr>
+          <p:nvPr/>
+        </p:nvPicPr>
+        <p:blipFill>
+          <a:blip r:embed="rId2"/>
+          <a:stretch>
+            <a:fillRect/>
+          </a:stretch>
+        </p:blipFill>
+        <p:spPr>
+          <a:xfrm>
+            <a:off x="2451326" y="2931398"/>
+            <a:ext cx="4698547" cy="8352973"/>
+          </a:xfrm>
+          <a:prstGeom prst="rect">
+            <a:avLst/>
+          </a:prstGeom>
+        </p:spPr>
+      </p:pic>
+      <p:sp>
+        <p:nvSpPr>
+          <p:cNvPr id="5" name="Shape 31">
+            <a:extLst>
+              <a:ext uri="{FF2B5EF4-FFF2-40B4-BE49-F238E27FC236}">
+                <a16:creationId xmlns:a16="http://schemas.microsoft.com/office/drawing/2014/main" id="{BD7CB29B-2509-4800-8A45-376FA1337774}"/>
+              </a:ext>
+            </a:extLst>
+          </p:cNvPr>
+          <p:cNvSpPr txBox="1"/>
+          <p:nvPr/>
+        </p:nvSpPr>
+        <p:spPr>
+          <a:xfrm>
+            <a:off x="450200" y="1278175"/>
+            <a:ext cx="8700800" cy="797139"/>
+          </a:xfrm>
+          <a:prstGeom prst="rect">
+            <a:avLst/>
+          </a:prstGeom>
+          <a:noFill/>
+          <a:ln>
+            <a:noFill/>
+          </a:ln>
+        </p:spPr>
+        <p:txBody>
+          <a:bodyPr lIns="122175" tIns="61075" rIns="122175" bIns="61075" anchor="t" anchorCtr="0">
+            <a:noAutofit/>
+          </a:bodyPr>
+          <a:lstStyle/>
+          <a:p>
+            <a:pPr marL="0" marR="0" lvl="0" indent="0" algn="ctr" rtl="0">
+              <a:spcBef>
+                <a:spcPts val="0"/>
+              </a:spcBef>
+              <a:buClr>
+                <a:schemeClr val="dk2"/>
+              </a:buClr>
+              <a:buSzPct val="25000"/>
+              <a:buFont typeface="Arial Narrow"/>
+              <a:buNone/>
+            </a:pPr>
+            <a:r>
+              <a:rPr lang="fi-FI" sz="4000" dirty="0">
+                <a:solidFill>
+                  <a:schemeClr val="dk2"/>
+                </a:solidFill>
+                <a:latin typeface="Arial Narrow"/>
+                <a:ea typeface="Arial Narrow"/>
+                <a:cs typeface="Arial Narrow"/>
+                <a:sym typeface="Arial Narrow"/>
+              </a:rPr>
+              <a:t>Loading screen</a:t>
+            </a:r>
+          </a:p>
+          <a:p>
+            <a:pPr marL="0" marR="0" lvl="0" indent="0" algn="ctr" rtl="0">
+              <a:spcBef>
+                <a:spcPts val="0"/>
+              </a:spcBef>
+              <a:buClr>
+                <a:schemeClr val="dk2"/>
+              </a:buClr>
+              <a:buSzPct val="25000"/>
+              <a:buFont typeface="Arial Narrow"/>
+              <a:buNone/>
+            </a:pPr>
+            <a:endParaRPr lang="fi-FI" sz="4000" dirty="0">
+              <a:solidFill>
+                <a:schemeClr val="dk2"/>
+              </a:solidFill>
+              <a:latin typeface="Arial Narrow"/>
+              <a:ea typeface="Arial Narrow"/>
+              <a:cs typeface="Arial Narrow"/>
+              <a:sym typeface="Arial Narrow"/>
+            </a:endParaRPr>
+          </a:p>
+        </p:txBody>
+      </p:sp>
+    </p:spTree>
+    <p:extLst>
+      <p:ext uri="{BB962C8B-B14F-4D97-AF65-F5344CB8AC3E}">
+        <p14:creationId xmlns:p14="http://schemas.microsoft.com/office/powerpoint/2010/main" val="2237127476"/>
+      </p:ext>
+    </p:extLst>
+  </p:cSld>
+  <p:clrMapOvr>
+    <a:masterClrMapping/>
+  </p:clrMapOvr>
+</p:sld>
+</file>
+
+<file path=ppt/slides/slide3.xml><?xml version="1.0" encoding="utf-8"?>
+<p:sld xmlns:a="http://schemas.openxmlformats.org/drawingml/2006/main" xmlns:r="http://schemas.openxmlformats.org/officeDocument/2006/relationships" xmlns:p="http://schemas.openxmlformats.org/presentationml/2006/main">
+  <p:cSld>
+    <p:spTree>
+      <p:nvGrpSpPr>
+        <p:cNvPr id="1" name=""/>
+        <p:cNvGrpSpPr/>
+        <p:nvPr/>
+      </p:nvGrpSpPr>
+      <p:grpSpPr>
+        <a:xfrm>
+          <a:off x="0" y="0"/>
+          <a:ext cx="0" cy="0"/>
+          <a:chOff x="0" y="0"/>
+          <a:chExt cx="0" cy="0"/>
+        </a:xfrm>
+      </p:grpSpPr>
+      <p:sp>
+        <p:nvSpPr>
+          <p:cNvPr id="2" name="Text Placeholder 1">
+            <a:extLst>
+              <a:ext uri="{FF2B5EF4-FFF2-40B4-BE49-F238E27FC236}">
+                <a16:creationId xmlns:a16="http://schemas.microsoft.com/office/drawing/2014/main" id="{C6E6E0F2-7148-4B67-9D18-E05F67A72513}"/>
+              </a:ext>
+            </a:extLst>
+          </p:cNvPr>
+          <p:cNvSpPr>
+            <a:spLocks noGrp="1"/>
+          </p:cNvSpPr>
+          <p:nvPr>
+            <p:ph type="body" idx="1"/>
+          </p:nvPr>
+        </p:nvSpPr>
+        <p:spPr>
+          <a:xfrm>
+            <a:off x="450200" y="2757266"/>
+            <a:ext cx="8700800" cy="8527105"/>
+          </a:xfrm>
+        </p:spPr>
+        <p:txBody>
+          <a:bodyPr/>
+          <a:lstStyle/>
+          <a:p>
+            <a:endParaRPr lang="en-GB" dirty="0"/>
+          </a:p>
+          <a:p>
+            <a:endParaRPr lang="en-GB" dirty="0"/>
+          </a:p>
+        </p:txBody>
+      </p:sp>
+      <p:pic>
+        <p:nvPicPr>
+          <p:cNvPr id="4" name="Picture 3">
+            <a:extLst>
+              <a:ext uri="{FF2B5EF4-FFF2-40B4-BE49-F238E27FC236}">
+                <a16:creationId xmlns:a16="http://schemas.microsoft.com/office/drawing/2014/main" id="{C1AF076A-3870-4693-993B-4FDC83B7B7CF}"/>
+              </a:ext>
+            </a:extLst>
+          </p:cNvPr>
+          <p:cNvPicPr>
+            <a:picLocks noChangeAspect="1"/>
+          </p:cNvPicPr>
+          <p:nvPr/>
+        </p:nvPicPr>
+        <p:blipFill>
+          <a:blip r:embed="rId2"/>
+          <a:stretch>
+            <a:fillRect/>
+          </a:stretch>
+        </p:blipFill>
+        <p:spPr>
+          <a:xfrm>
+            <a:off x="2451326" y="2931398"/>
+            <a:ext cx="4698547" cy="8352972"/>
+          </a:xfrm>
+          <a:prstGeom prst="rect">
+            <a:avLst/>
+          </a:prstGeom>
+        </p:spPr>
+      </p:pic>
+      <p:sp>
+        <p:nvSpPr>
+          <p:cNvPr id="5" name="Shape 31">
+            <a:extLst>
+              <a:ext uri="{FF2B5EF4-FFF2-40B4-BE49-F238E27FC236}">
+                <a16:creationId xmlns:a16="http://schemas.microsoft.com/office/drawing/2014/main" id="{BD7CB29B-2509-4800-8A45-376FA1337774}"/>
+              </a:ext>
+            </a:extLst>
+          </p:cNvPr>
+          <p:cNvSpPr txBox="1"/>
+          <p:nvPr/>
+        </p:nvSpPr>
+        <p:spPr>
+          <a:xfrm>
+            <a:off x="450200" y="1278175"/>
+            <a:ext cx="8700800" cy="797139"/>
+          </a:xfrm>
+          <a:prstGeom prst="rect">
+            <a:avLst/>
+          </a:prstGeom>
+          <a:noFill/>
+          <a:ln>
+            <a:noFill/>
+          </a:ln>
+        </p:spPr>
+        <p:txBody>
+          <a:bodyPr lIns="122175" tIns="61075" rIns="122175" bIns="61075" anchor="t" anchorCtr="0">
+            <a:noAutofit/>
+          </a:bodyPr>
+          <a:lstStyle/>
+          <a:p>
+            <a:pPr marL="0" marR="0" lvl="0" indent="0" algn="ctr" rtl="0">
+              <a:spcBef>
+                <a:spcPts val="0"/>
+              </a:spcBef>
+              <a:buClr>
+                <a:schemeClr val="dk2"/>
+              </a:buClr>
+              <a:buSzPct val="25000"/>
+              <a:buFont typeface="Arial Narrow"/>
+              <a:buNone/>
+            </a:pPr>
+            <a:r>
+              <a:rPr lang="fi-FI" sz="4000" dirty="0">
+                <a:solidFill>
+                  <a:schemeClr val="dk2"/>
+                </a:solidFill>
+                <a:latin typeface="Arial Narrow"/>
+                <a:ea typeface="Arial Narrow"/>
+                <a:cs typeface="Arial Narrow"/>
+                <a:sym typeface="Arial Narrow"/>
+              </a:rPr>
+              <a:t>Restaurant loaded</a:t>
+            </a:r>
+          </a:p>
+          <a:p>
+            <a:pPr marL="0" marR="0" lvl="0" indent="0" algn="ctr" rtl="0">
+              <a:spcBef>
+                <a:spcPts val="0"/>
+              </a:spcBef>
+              <a:buClr>
+                <a:schemeClr val="dk2"/>
+              </a:buClr>
+              <a:buSzPct val="25000"/>
+              <a:buFont typeface="Arial Narrow"/>
+              <a:buNone/>
+            </a:pPr>
+            <a:endParaRPr lang="fi-FI" sz="4000" dirty="0">
+              <a:solidFill>
+                <a:schemeClr val="dk2"/>
+              </a:solidFill>
+              <a:latin typeface="Arial Narrow"/>
+              <a:ea typeface="Arial Narrow"/>
+              <a:cs typeface="Arial Narrow"/>
+              <a:sym typeface="Arial Narrow"/>
+            </a:endParaRPr>
+          </a:p>
+        </p:txBody>
+      </p:sp>
+    </p:spTree>
+    <p:extLst>
+      <p:ext uri="{BB962C8B-B14F-4D97-AF65-F5344CB8AC3E}">
+        <p14:creationId xmlns:p14="http://schemas.microsoft.com/office/powerpoint/2010/main" val="1222775708"/>
+      </p:ext>
+    </p:extLst>
+  </p:cSld>
+  <p:clrMapOvr>
+    <a:masterClrMapping/>
+  </p:clrMapOvr>
+</p:sld>
+</file>
+
+<file path=ppt/slides/slide4.xml><?xml version="1.0" encoding="utf-8"?>
+<p:sld xmlns:a="http://schemas.openxmlformats.org/drawingml/2006/main" xmlns:r="http://schemas.openxmlformats.org/officeDocument/2006/relationships" xmlns:p="http://schemas.openxmlformats.org/presentationml/2006/main">
+  <p:cSld>
+    <p:spTree>
+      <p:nvGrpSpPr>
+        <p:cNvPr id="1" name=""/>
+        <p:cNvGrpSpPr/>
+        <p:nvPr/>
+      </p:nvGrpSpPr>
+      <p:grpSpPr>
+        <a:xfrm>
+          <a:off x="0" y="0"/>
+          <a:ext cx="0" cy="0"/>
+          <a:chOff x="0" y="0"/>
+          <a:chExt cx="0" cy="0"/>
+        </a:xfrm>
+      </p:grpSpPr>
+      <p:sp>
+        <p:nvSpPr>
+          <p:cNvPr id="2" name="Text Placeholder 1">
+            <a:extLst>
+              <a:ext uri="{FF2B5EF4-FFF2-40B4-BE49-F238E27FC236}">
+                <a16:creationId xmlns:a16="http://schemas.microsoft.com/office/drawing/2014/main" id="{C6E6E0F2-7148-4B67-9D18-E05F67A72513}"/>
+              </a:ext>
+            </a:extLst>
+          </p:cNvPr>
+          <p:cNvSpPr>
+            <a:spLocks noGrp="1"/>
+          </p:cNvSpPr>
+          <p:nvPr>
+            <p:ph type="body" idx="1"/>
+          </p:nvPr>
+        </p:nvSpPr>
+        <p:spPr>
+          <a:xfrm>
+            <a:off x="450200" y="2757266"/>
+            <a:ext cx="8700800" cy="8527105"/>
+          </a:xfrm>
+        </p:spPr>
+        <p:txBody>
+          <a:bodyPr/>
+          <a:lstStyle/>
+          <a:p>
+            <a:endParaRPr lang="en-GB" dirty="0"/>
+          </a:p>
+          <a:p>
+            <a:endParaRPr lang="en-GB" dirty="0"/>
+          </a:p>
+        </p:txBody>
+      </p:sp>
+      <p:pic>
+        <p:nvPicPr>
+          <p:cNvPr id="4" name="Picture 3">
+            <a:extLst>
+              <a:ext uri="{FF2B5EF4-FFF2-40B4-BE49-F238E27FC236}">
+                <a16:creationId xmlns:a16="http://schemas.microsoft.com/office/drawing/2014/main" id="{C1AF076A-3870-4693-993B-4FDC83B7B7CF}"/>
+              </a:ext>
+            </a:extLst>
+          </p:cNvPr>
+          <p:cNvPicPr>
+            <a:picLocks noChangeAspect="1"/>
+          </p:cNvPicPr>
+          <p:nvPr/>
+        </p:nvPicPr>
+        <p:blipFill>
+          <a:blip r:embed="rId2"/>
+          <a:stretch>
+            <a:fillRect/>
+          </a:stretch>
+        </p:blipFill>
+        <p:spPr>
+          <a:xfrm>
+            <a:off x="2451326" y="2931398"/>
+            <a:ext cx="4698546" cy="8352972"/>
+          </a:xfrm>
+          <a:prstGeom prst="rect">
+            <a:avLst/>
+          </a:prstGeom>
+        </p:spPr>
+      </p:pic>
+      <p:sp>
+        <p:nvSpPr>
+          <p:cNvPr id="5" name="Shape 31">
+            <a:extLst>
+              <a:ext uri="{FF2B5EF4-FFF2-40B4-BE49-F238E27FC236}">
+                <a16:creationId xmlns:a16="http://schemas.microsoft.com/office/drawing/2014/main" id="{BD7CB29B-2509-4800-8A45-376FA1337774}"/>
+              </a:ext>
+            </a:extLst>
+          </p:cNvPr>
+          <p:cNvSpPr txBox="1"/>
+          <p:nvPr/>
+        </p:nvSpPr>
+        <p:spPr>
+          <a:xfrm>
+            <a:off x="450200" y="1278175"/>
+            <a:ext cx="8700800" cy="797139"/>
+          </a:xfrm>
+          <a:prstGeom prst="rect">
+            <a:avLst/>
+          </a:prstGeom>
+          <a:noFill/>
+          <a:ln>
+            <a:noFill/>
+          </a:ln>
+        </p:spPr>
+        <p:txBody>
+          <a:bodyPr lIns="122175" tIns="61075" rIns="122175" bIns="61075" anchor="t" anchorCtr="0">
+            <a:noAutofit/>
+          </a:bodyPr>
+          <a:lstStyle/>
+          <a:p>
+            <a:pPr marL="0" marR="0" lvl="0" indent="0" algn="ctr" rtl="0">
+              <a:spcBef>
+                <a:spcPts val="0"/>
+              </a:spcBef>
+              <a:buClr>
+                <a:schemeClr val="dk2"/>
+              </a:buClr>
+              <a:buSzPct val="25000"/>
+              <a:buFont typeface="Arial Narrow"/>
+              <a:buNone/>
+            </a:pPr>
+            <a:r>
+              <a:rPr lang="fi-FI" sz="4000" dirty="0">
+                <a:solidFill>
+                  <a:schemeClr val="dk2"/>
+                </a:solidFill>
+                <a:latin typeface="Arial Narrow"/>
+                <a:ea typeface="Arial Narrow"/>
+                <a:cs typeface="Arial Narrow"/>
+                <a:sym typeface="Arial Narrow"/>
+              </a:rPr>
+              <a:t>Favorite foods</a:t>
+            </a:r>
+          </a:p>
+        </p:txBody>
+      </p:sp>
+    </p:spTree>
+    <p:extLst>
+      <p:ext uri="{BB962C8B-B14F-4D97-AF65-F5344CB8AC3E}">
+        <p14:creationId xmlns:p14="http://schemas.microsoft.com/office/powerpoint/2010/main" val="900087853"/>
+      </p:ext>
+    </p:extLst>
+  </p:cSld>
+  <p:clrMapOvr>
+    <a:masterClrMapping/>
+  </p:clrMapOvr>
+</p:sld>
+</file>
+
+<file path=ppt/slides/slide5.xml><?xml version="1.0" encoding="utf-8"?>
+<p:sld xmlns:a="http://schemas.openxmlformats.org/drawingml/2006/main" xmlns:r="http://schemas.openxmlformats.org/officeDocument/2006/relationships" xmlns:p="http://schemas.openxmlformats.org/presentationml/2006/main">
+  <p:cSld>
+    <p:spTree>
+      <p:nvGrpSpPr>
+        <p:cNvPr id="1" name=""/>
+        <p:cNvGrpSpPr/>
+        <p:nvPr/>
+      </p:nvGrpSpPr>
+      <p:grpSpPr>
+        <a:xfrm>
+          <a:off x="0" y="0"/>
+          <a:ext cx="0" cy="0"/>
+          <a:chOff x="0" y="0"/>
+          <a:chExt cx="0" cy="0"/>
+        </a:xfrm>
+      </p:grpSpPr>
+      <p:sp>
+        <p:nvSpPr>
+          <p:cNvPr id="2" name="Text Placeholder 1">
+            <a:extLst>
+              <a:ext uri="{FF2B5EF4-FFF2-40B4-BE49-F238E27FC236}">
+                <a16:creationId xmlns:a16="http://schemas.microsoft.com/office/drawing/2014/main" id="{C6E6E0F2-7148-4B67-9D18-E05F67A72513}"/>
+              </a:ext>
+            </a:extLst>
+          </p:cNvPr>
+          <p:cNvSpPr>
+            <a:spLocks noGrp="1"/>
+          </p:cNvSpPr>
+          <p:nvPr>
+            <p:ph type="body" idx="1"/>
+          </p:nvPr>
+        </p:nvSpPr>
+        <p:spPr>
+          <a:xfrm>
+            <a:off x="450200" y="2757266"/>
+            <a:ext cx="8700800" cy="8527105"/>
+          </a:xfrm>
+        </p:spPr>
+        <p:txBody>
+          <a:bodyPr/>
+          <a:lstStyle/>
+          <a:p>
+            <a:endParaRPr lang="en-GB" dirty="0"/>
+          </a:p>
+          <a:p>
+            <a:endParaRPr lang="en-GB" dirty="0"/>
+          </a:p>
+        </p:txBody>
+      </p:sp>
+      <p:pic>
+        <p:nvPicPr>
+          <p:cNvPr id="4" name="Picture 3">
+            <a:extLst>
+              <a:ext uri="{FF2B5EF4-FFF2-40B4-BE49-F238E27FC236}">
+                <a16:creationId xmlns:a16="http://schemas.microsoft.com/office/drawing/2014/main" id="{C1AF076A-3870-4693-993B-4FDC83B7B7CF}"/>
+              </a:ext>
+            </a:extLst>
+          </p:cNvPr>
+          <p:cNvPicPr>
+            <a:picLocks noChangeAspect="1"/>
+          </p:cNvPicPr>
+          <p:nvPr/>
+        </p:nvPicPr>
+        <p:blipFill>
+          <a:blip r:embed="rId2"/>
+          <a:stretch>
+            <a:fillRect/>
+          </a:stretch>
+        </p:blipFill>
+        <p:spPr>
+          <a:xfrm>
+            <a:off x="2451326" y="2931399"/>
+            <a:ext cx="4698546" cy="8352970"/>
+          </a:xfrm>
+          <a:prstGeom prst="rect">
+            <a:avLst/>
+          </a:prstGeom>
+        </p:spPr>
+      </p:pic>
+      <p:sp>
+        <p:nvSpPr>
+          <p:cNvPr id="5" name="Shape 31">
+            <a:extLst>
+              <a:ext uri="{FF2B5EF4-FFF2-40B4-BE49-F238E27FC236}">
+                <a16:creationId xmlns:a16="http://schemas.microsoft.com/office/drawing/2014/main" id="{BD7CB29B-2509-4800-8A45-376FA1337774}"/>
+              </a:ext>
+            </a:extLst>
+          </p:cNvPr>
+          <p:cNvSpPr txBox="1"/>
+          <p:nvPr/>
+        </p:nvSpPr>
+        <p:spPr>
+          <a:xfrm>
+            <a:off x="450200" y="1278175"/>
+            <a:ext cx="8700800" cy="797139"/>
+          </a:xfrm>
+          <a:prstGeom prst="rect">
+            <a:avLst/>
+          </a:prstGeom>
+          <a:noFill/>
+          <a:ln>
+            <a:noFill/>
+          </a:ln>
+        </p:spPr>
+        <p:txBody>
+          <a:bodyPr lIns="122175" tIns="61075" rIns="122175" bIns="61075" anchor="t" anchorCtr="0">
+            <a:noAutofit/>
+          </a:bodyPr>
+          <a:lstStyle/>
+          <a:p>
+            <a:pPr marL="0" marR="0" lvl="0" indent="0" algn="ctr" rtl="0">
+              <a:spcBef>
+                <a:spcPts val="0"/>
+              </a:spcBef>
+              <a:buClr>
+                <a:schemeClr val="dk2"/>
+              </a:buClr>
+              <a:buSzPct val="25000"/>
+              <a:buFont typeface="Arial Narrow"/>
+              <a:buNone/>
+            </a:pPr>
+            <a:r>
+              <a:rPr lang="fi-FI" sz="4000" dirty="0">
+                <a:solidFill>
+                  <a:schemeClr val="dk2"/>
+                </a:solidFill>
+                <a:latin typeface="Arial Narrow"/>
+                <a:ea typeface="Arial Narrow"/>
+                <a:cs typeface="Arial Narrow"/>
+                <a:sym typeface="Arial Narrow"/>
+              </a:rPr>
+              <a:t>Notification</a:t>
+            </a:r>
+          </a:p>
+        </p:txBody>
+      </p:sp>
+    </p:spTree>
+    <p:extLst>
+      <p:ext uri="{BB962C8B-B14F-4D97-AF65-F5344CB8AC3E}">
+        <p14:creationId xmlns:p14="http://schemas.microsoft.com/office/powerpoint/2010/main" val="4015894569"/>
+      </p:ext>
+    </p:extLst>
   </p:cSld>
   <p:clrMapOvr>
     <a:masterClrMapping/>
